--- a/database/20220622_시작전 문제.pptx
+++ b/database/20220622_시작전 문제.pptx
@@ -8247,6 +8247,13 @@
   <p:clrMapOvr>
     <a:masterClrMapping/>
   </p:clrMapOvr>
+  <p:timing>
+    <p:tnLst>
+      <p:par>
+        <p:cTn id="1" dur="indefinite" restart="never" nodeType="tmRoot"/>
+      </p:par>
+    </p:tnLst>
+  </p:timing>
 </p:sld>
 </file>
 
@@ -8513,11 +8520,7 @@
             </a:r>
             <a:r>
               <a:rPr lang="en-US" altLang="ko-KR" sz="2400" dirty="0" smtClean="0"/>
-              <a:t>1. </a:t>
-            </a:r>
-            <a:r>
-              <a:rPr lang="en-US" altLang="ko-KR" sz="2400" dirty="0" smtClean="0"/>
-              <a:t>customer, </a:t>
+              <a:t>1. customer, </a:t>
             </a:r>
             <a:r>
               <a:rPr lang="en-US" altLang="ko-KR" sz="2400" dirty="0" err="1" smtClean="0"/>
@@ -8570,11 +8573,7 @@
             </a:r>
             <a:r>
               <a:rPr lang="en-US" altLang="ko-KR" sz="2400" dirty="0" smtClean="0"/>
-              <a:t>2. </a:t>
-            </a:r>
-            <a:r>
-              <a:rPr lang="en-US" altLang="ko-KR" sz="2400" dirty="0" smtClean="0"/>
-              <a:t>“</a:t>
+              <a:t>2. “</a:t>
             </a:r>
             <a:r>
               <a:rPr lang="ko-KR" altLang="en-US" sz="2400" dirty="0" err="1" smtClean="0"/>
@@ -8850,6 +8849,13 @@
   <p:clrMapOvr>
     <a:masterClrMapping/>
   </p:clrMapOvr>
+  <p:timing>
+    <p:tnLst>
+      <p:par>
+        <p:cTn id="1" dur="indefinite" restart="never" nodeType="tmRoot"/>
+      </p:par>
+    </p:tnLst>
+  </p:timing>
 </p:sld>
 </file>
 
@@ -9140,7 +9146,19 @@
             </a:r>
             <a:r>
               <a:rPr lang="ko-KR" altLang="en-US" sz="2400" dirty="0" smtClean="0"/>
-              <a:t>테이블을 생성하고 </a:t>
+              <a:t>테이블을 </a:t>
+            </a:r>
+            <a:r>
+              <a:rPr lang="ko-KR" altLang="en-US" sz="2400" dirty="0" smtClean="0"/>
+              <a:t>생성하고</a:t>
+            </a:r>
+            <a:r>
+              <a:rPr lang="en-US" altLang="ko-KR" sz="2400" dirty="0" smtClean="0"/>
+              <a:t>member </a:t>
+            </a:r>
+            <a:r>
+              <a:rPr lang="ko-KR" altLang="en-US" sz="2400" dirty="0" smtClean="0"/>
+              <a:t>테이블 </a:t>
             </a:r>
             <a:r>
               <a:rPr lang="en-US" altLang="ko-KR" sz="2400" dirty="0" smtClean="0"/>
@@ -9164,11 +9182,15 @@
             </a:r>
             <a:r>
               <a:rPr lang="en-US" altLang="ko-KR" sz="2400" dirty="0" err="1" smtClean="0"/>
-              <a:t>pk</a:t>
+              <a:t>idx</a:t>
             </a:r>
             <a:r>
               <a:rPr lang="ko-KR" altLang="en-US" sz="2400" dirty="0" smtClean="0"/>
-              <a:t>내용으로 변경 하시오</a:t>
+              <a:t>내용으로 </a:t>
+            </a:r>
+            <a:r>
+              <a:rPr lang="ko-KR" altLang="en-US" sz="2400" dirty="0" smtClean="0"/>
+              <a:t>변경 하시오</a:t>
             </a:r>
             <a:r>
               <a:rPr lang="en-US" altLang="ko-KR" sz="2400" dirty="0" smtClean="0"/>
@@ -9264,6 +9286,13 @@
   <p:clrMapOvr>
     <a:masterClrMapping/>
   </p:clrMapOvr>
+  <p:timing>
+    <p:tnLst>
+      <p:par>
+        <p:cTn id="1" dur="indefinite" restart="never" nodeType="tmRoot"/>
+      </p:par>
+    </p:tnLst>
+  </p:timing>
 </p:sld>
 </file>
 
